--- a/Car Weight Prediction/Predicting Car Weight from Machine Learning.pptx
+++ b/Car Weight Prediction/Predicting Car Weight from Machine Learning.pptx
@@ -6680,7 +6680,7 @@
         </p:nvSpPr>
         <p:spPr>
           <a:xfrm>
-            <a:off x="9190182" y="6183601"/>
+            <a:off x="8860825" y="6183601"/>
             <a:ext cx="2461491" cy="401926"/>
           </a:xfrm>
         </p:spPr>

--- a/Car Weight Prediction/Predicting Car Weight from Machine Learning.pptx
+++ b/Car Weight Prediction/Predicting Car Weight from Machine Learning.pptx
@@ -10,6 +10,7 @@
     <p:sldId id="259" r:id="rId4"/>
     <p:sldId id="257" r:id="rId5"/>
     <p:sldId id="260" r:id="rId6"/>
+    <p:sldId id="261" r:id="rId7"/>
   </p:sldIdLst>
   <p:sldSz cx="12192000" cy="6858000"/>
   <p:notesSz cx="6858000" cy="9144000"/>
@@ -3556,7 +3557,7 @@
           <a:p>
             <a:fld id="{BC85EADA-B395-430C-9DD1-F7B66826DD44}" type="datetimeFigureOut">
               <a:rPr lang="en-US" smtClean="0"/>
-              <a:t>8/22/2017</a:t>
+              <a:t>11/2/2017</a:t>
             </a:fld>
             <a:endParaRPr lang="en-US"/>
           </a:p>
@@ -3754,7 +3755,7 @@
           <a:p>
             <a:fld id="{BC85EADA-B395-430C-9DD1-F7B66826DD44}" type="datetimeFigureOut">
               <a:rPr lang="en-US" smtClean="0"/>
-              <a:t>8/22/2017</a:t>
+              <a:t>11/2/2017</a:t>
             </a:fld>
             <a:endParaRPr lang="en-US"/>
           </a:p>
@@ -3962,7 +3963,7 @@
           <a:p>
             <a:fld id="{BC85EADA-B395-430C-9DD1-F7B66826DD44}" type="datetimeFigureOut">
               <a:rPr lang="en-US" smtClean="0"/>
-              <a:t>8/22/2017</a:t>
+              <a:t>11/2/2017</a:t>
             </a:fld>
             <a:endParaRPr lang="en-US"/>
           </a:p>
@@ -4160,7 +4161,7 @@
           <a:p>
             <a:fld id="{BC85EADA-B395-430C-9DD1-F7B66826DD44}" type="datetimeFigureOut">
               <a:rPr lang="en-US" smtClean="0"/>
-              <a:t>8/22/2017</a:t>
+              <a:t>11/2/2017</a:t>
             </a:fld>
             <a:endParaRPr lang="en-US"/>
           </a:p>
@@ -4435,7 +4436,7 @@
           <a:p>
             <a:fld id="{BC85EADA-B395-430C-9DD1-F7B66826DD44}" type="datetimeFigureOut">
               <a:rPr lang="en-US" smtClean="0"/>
-              <a:t>8/22/2017</a:t>
+              <a:t>11/2/2017</a:t>
             </a:fld>
             <a:endParaRPr lang="en-US"/>
           </a:p>
@@ -4700,7 +4701,7 @@
           <a:p>
             <a:fld id="{BC85EADA-B395-430C-9DD1-F7B66826DD44}" type="datetimeFigureOut">
               <a:rPr lang="en-US" smtClean="0"/>
-              <a:t>8/22/2017</a:t>
+              <a:t>11/2/2017</a:t>
             </a:fld>
             <a:endParaRPr lang="en-US"/>
           </a:p>
@@ -5112,7 +5113,7 @@
           <a:p>
             <a:fld id="{BC85EADA-B395-430C-9DD1-F7B66826DD44}" type="datetimeFigureOut">
               <a:rPr lang="en-US" smtClean="0"/>
-              <a:t>8/22/2017</a:t>
+              <a:t>11/2/2017</a:t>
             </a:fld>
             <a:endParaRPr lang="en-US"/>
           </a:p>
@@ -5253,7 +5254,7 @@
           <a:p>
             <a:fld id="{BC85EADA-B395-430C-9DD1-F7B66826DD44}" type="datetimeFigureOut">
               <a:rPr lang="en-US" smtClean="0"/>
-              <a:t>8/22/2017</a:t>
+              <a:t>11/2/2017</a:t>
             </a:fld>
             <a:endParaRPr lang="en-US"/>
           </a:p>
@@ -5366,7 +5367,7 @@
           <a:p>
             <a:fld id="{BC85EADA-B395-430C-9DD1-F7B66826DD44}" type="datetimeFigureOut">
               <a:rPr lang="en-US" smtClean="0"/>
-              <a:t>8/22/2017</a:t>
+              <a:t>11/2/2017</a:t>
             </a:fld>
             <a:endParaRPr lang="en-US"/>
           </a:p>
@@ -5677,7 +5678,7 @@
           <a:p>
             <a:fld id="{BC85EADA-B395-430C-9DD1-F7B66826DD44}" type="datetimeFigureOut">
               <a:rPr lang="en-US" smtClean="0"/>
-              <a:t>8/22/2017</a:t>
+              <a:t>11/2/2017</a:t>
             </a:fld>
             <a:endParaRPr lang="en-US"/>
           </a:p>
@@ -5965,7 +5966,7 @@
           <a:p>
             <a:fld id="{BC85EADA-B395-430C-9DD1-F7B66826DD44}" type="datetimeFigureOut">
               <a:rPr lang="en-US" smtClean="0"/>
-              <a:t>8/22/2017</a:t>
+              <a:t>11/2/2017</a:t>
             </a:fld>
             <a:endParaRPr lang="en-US"/>
           </a:p>
@@ -6206,7 +6207,7 @@
           <a:p>
             <a:fld id="{BC85EADA-B395-430C-9DD1-F7B66826DD44}" type="datetimeFigureOut">
               <a:rPr lang="en-US" smtClean="0"/>
-              <a:t>8/22/2017</a:t>
+              <a:t>11/2/2017</a:t>
             </a:fld>
             <a:endParaRPr lang="en-US"/>
           </a:p>
@@ -7260,6 +7261,150 @@
 </p:sld>
 </file>
 
+<file path=ppt/slides/slide6.xml><?xml version="1.0" encoding="utf-8"?>
+<p:sld xmlns:a="http://schemas.openxmlformats.org/drawingml/2006/main" xmlns:r="http://schemas.openxmlformats.org/officeDocument/2006/relationships" xmlns:p="http://schemas.openxmlformats.org/presentationml/2006/main">
+  <p:cSld>
+    <p:spTree>
+      <p:nvGrpSpPr>
+        <p:cNvPr id="1" name=""/>
+        <p:cNvGrpSpPr/>
+        <p:nvPr/>
+      </p:nvGrpSpPr>
+      <p:grpSpPr>
+        <a:xfrm>
+          <a:off x="0" y="0"/>
+          <a:ext cx="0" cy="0"/>
+          <a:chOff x="0" y="0"/>
+          <a:chExt cx="0" cy="0"/>
+        </a:xfrm>
+      </p:grpSpPr>
+      <p:sp>
+        <p:nvSpPr>
+          <p:cNvPr id="2" name="Title 1">
+            <a:extLst>
+              <a:ext uri="{FF2B5EF4-FFF2-40B4-BE49-F238E27FC236}">
+                <a16:creationId xmlns:a16="http://schemas.microsoft.com/office/drawing/2014/main" id="{2FB9435D-6B22-47E0-9B71-05C743EB2699}"/>
+              </a:ext>
+            </a:extLst>
+          </p:cNvPr>
+          <p:cNvSpPr>
+            <a:spLocks noGrp="1"/>
+          </p:cNvSpPr>
+          <p:nvPr>
+            <p:ph type="title"/>
+          </p:nvPr>
+        </p:nvSpPr>
+        <p:spPr/>
+        <p:txBody>
+          <a:bodyPr/>
+          <a:lstStyle/>
+          <a:p>
+            <a:r>
+              <a:rPr lang="en-US" dirty="0"/>
+              <a:t>Follow me on </a:t>
+            </a:r>
+            <a:r>
+              <a:rPr lang="en-US" dirty="0" err="1"/>
+              <a:t>Youtube</a:t>
+            </a:r>
+            <a:r>
+              <a:rPr lang="en-US" dirty="0"/>
+              <a:t> for more ML tuts</a:t>
+            </a:r>
+          </a:p>
+        </p:txBody>
+      </p:sp>
+      <p:sp>
+        <p:nvSpPr>
+          <p:cNvPr id="3" name="Content Placeholder 2">
+            <a:extLst>
+              <a:ext uri="{FF2B5EF4-FFF2-40B4-BE49-F238E27FC236}">
+                <a16:creationId xmlns:a16="http://schemas.microsoft.com/office/drawing/2014/main" id="{AA822428-A5DB-484F-AB0B-11D593FA06A0}"/>
+              </a:ext>
+            </a:extLst>
+          </p:cNvPr>
+          <p:cNvSpPr>
+            <a:spLocks noGrp="1"/>
+          </p:cNvSpPr>
+          <p:nvPr>
+            <p:ph idx="1"/>
+          </p:nvPr>
+        </p:nvSpPr>
+        <p:spPr>
+          <a:xfrm>
+            <a:off x="2567326" y="4707501"/>
+            <a:ext cx="5722945" cy="791899"/>
+          </a:xfrm>
+        </p:spPr>
+        <p:txBody>
+          <a:bodyPr>
+            <a:noAutofit/>
+          </a:bodyPr>
+          <a:lstStyle/>
+          <a:p>
+            <a:pPr marL="0" indent="0">
+              <a:buNone/>
+            </a:pPr>
+            <a:r>
+              <a:rPr lang="en-US" sz="5500" dirty="0">
+                <a:solidFill>
+                  <a:srgbClr val="FF0000"/>
+                </a:solidFill>
+              </a:rPr>
+              <a:t>Rakshith Vasudev</a:t>
+            </a:r>
+          </a:p>
+        </p:txBody>
+      </p:sp>
+      <p:pic>
+        <p:nvPicPr>
+          <p:cNvPr id="5" name="Picture 4">
+            <a:extLst>
+              <a:ext uri="{FF2B5EF4-FFF2-40B4-BE49-F238E27FC236}">
+                <a16:creationId xmlns:a16="http://schemas.microsoft.com/office/drawing/2014/main" id="{15F9C85D-4866-4FA8-B3AF-BA452C53F057}"/>
+              </a:ext>
+            </a:extLst>
+          </p:cNvPr>
+          <p:cNvPicPr>
+            <a:picLocks noChangeAspect="1"/>
+          </p:cNvPicPr>
+          <p:nvPr/>
+        </p:nvPicPr>
+        <p:blipFill>
+          <a:blip r:embed="rId2">
+            <a:extLst>
+              <a:ext uri="{28A0092B-C50C-407E-A947-70E740481C1C}">
+                <a14:useLocalDpi xmlns:a14="http://schemas.microsoft.com/office/drawing/2010/main" val="0"/>
+              </a:ext>
+            </a:extLst>
+          </a:blip>
+          <a:stretch>
+            <a:fillRect/>
+          </a:stretch>
+        </p:blipFill>
+        <p:spPr>
+          <a:xfrm>
+            <a:off x="3821988" y="2063382"/>
+            <a:ext cx="2857899" cy="2010056"/>
+          </a:xfrm>
+          <a:prstGeom prst="rect">
+            <a:avLst/>
+          </a:prstGeom>
+        </p:spPr>
+      </p:pic>
+    </p:spTree>
+    <p:extLst>
+      <p:ext uri="{BB962C8B-B14F-4D97-AF65-F5344CB8AC3E}">
+        <p14:creationId xmlns:p14="http://schemas.microsoft.com/office/powerpoint/2010/main" val="2502790021"/>
+      </p:ext>
+    </p:extLst>
+  </p:cSld>
+  <p:clrMapOvr>
+    <a:masterClrMapping/>
+  </p:clrMapOvr>
+</p:sld>
+</file>
+
 <file path=ppt/theme/theme1.xml><?xml version="1.0" encoding="utf-8"?>
 <a:theme xmlns:a="http://schemas.openxmlformats.org/drawingml/2006/main" name="Office Theme">
   <a:themeElements>
